--- a/flare-pipeline.pptx
+++ b/flare-pipeline.pptx
@@ -3515,12 +3515,8 @@
               <a:buAutoNum type="arabicPeriod"/>
             </a:pPr>
             <a:r>
-              <a:rPr lang="en-US"/>
-              <a:t>Choose the </a:t>
-            </a:r>
-            <a:r>
-              <a:rPr lang="en-US" dirty="0"/>
-              <a:t>rename-</a:t>
+              <a:rPr lang="en-US" dirty="0"/>
+              <a:t>Choose the rename-</a:t>
             </a:r>
             <a:r>
               <a:rPr lang="en-US" dirty="0" err="1"/>
@@ -4101,6 +4097,13 @@
             <a:r>
               <a:rPr lang="en-US" dirty="0"/>
               <a:t> in YAML file)</a:t>
+            </a:r>
+          </a:p>
+          <a:p>
+            <a:pPr lvl="1"/>
+            <a:r>
+              <a:rPr lang="en-US" dirty="0"/>
+              <a:t>Subset to only SNPs (otherwise phaser throws errors)</a:t>
             </a:r>
           </a:p>
           <a:p>
@@ -4296,7 +4299,15 @@
             </a:r>
             <a:r>
               <a:rPr lang="en-US" dirty="0"/>
-              <a:t> is phasing using phase from reference</a:t>
+              <a:t> is phasing using phase from reference (</a:t>
+            </a:r>
+            <a:r>
+              <a:rPr lang="en-US"/>
+              <a:t>default: no </a:t>
+            </a:r>
+            <a:r>
+              <a:rPr lang="en-US" dirty="0"/>
+              <a:t>imputation)</a:t>
             </a:r>
           </a:p>
           <a:p>
